--- a/test/裏表紙.pptx
+++ b/test/裏表紙.pptx
@@ -7,13 +7,13 @@
   <p:sldIdLst>
     <p:sldId id="256" r:id="rId2"/>
   </p:sldIdLst>
-  <p:sldSz cx="5376863" cy="7169150" type="B5ISO"/>
+  <p:sldSz cx="5486400" cy="7315200" type="B5JIS"/>
   <p:notesSz cx="6858000" cy="9144000"/>
   <p:defaultTextStyle>
     <a:defPPr>
       <a:defRPr lang="ja-JP"/>
     </a:defPPr>
-    <a:lvl1pPr marL="0" algn="l" defTabSz="716798" rtl="0" eaLnBrk="1" latinLnBrk="0" hangingPunct="1">
+    <a:lvl1pPr marL="0" algn="l" defTabSz="731349" rtl="0" eaLnBrk="1" latinLnBrk="0" hangingPunct="1">
       <a:defRPr kumimoji="1" sz="1400" kern="1200">
         <a:solidFill>
           <a:schemeClr val="tx1"/>
@@ -23,7 +23,7 @@
         <a:cs typeface="+mn-cs"/>
       </a:defRPr>
     </a:lvl1pPr>
-    <a:lvl2pPr marL="358399" algn="l" defTabSz="716798" rtl="0" eaLnBrk="1" latinLnBrk="0" hangingPunct="1">
+    <a:lvl2pPr marL="365674" algn="l" defTabSz="731349" rtl="0" eaLnBrk="1" latinLnBrk="0" hangingPunct="1">
       <a:defRPr kumimoji="1" sz="1400" kern="1200">
         <a:solidFill>
           <a:schemeClr val="tx1"/>
@@ -33,7 +33,7 @@
         <a:cs typeface="+mn-cs"/>
       </a:defRPr>
     </a:lvl2pPr>
-    <a:lvl3pPr marL="716798" algn="l" defTabSz="716798" rtl="0" eaLnBrk="1" latinLnBrk="0" hangingPunct="1">
+    <a:lvl3pPr marL="731349" algn="l" defTabSz="731349" rtl="0" eaLnBrk="1" latinLnBrk="0" hangingPunct="1">
       <a:defRPr kumimoji="1" sz="1400" kern="1200">
         <a:solidFill>
           <a:schemeClr val="tx1"/>
@@ -43,7 +43,7 @@
         <a:cs typeface="+mn-cs"/>
       </a:defRPr>
     </a:lvl3pPr>
-    <a:lvl4pPr marL="1075196" algn="l" defTabSz="716798" rtl="0" eaLnBrk="1" latinLnBrk="0" hangingPunct="1">
+    <a:lvl4pPr marL="1097022" algn="l" defTabSz="731349" rtl="0" eaLnBrk="1" latinLnBrk="0" hangingPunct="1">
       <a:defRPr kumimoji="1" sz="1400" kern="1200">
         <a:solidFill>
           <a:schemeClr val="tx1"/>
@@ -53,7 +53,7 @@
         <a:cs typeface="+mn-cs"/>
       </a:defRPr>
     </a:lvl4pPr>
-    <a:lvl5pPr marL="1433596" algn="l" defTabSz="716798" rtl="0" eaLnBrk="1" latinLnBrk="0" hangingPunct="1">
+    <a:lvl5pPr marL="1462698" algn="l" defTabSz="731349" rtl="0" eaLnBrk="1" latinLnBrk="0" hangingPunct="1">
       <a:defRPr kumimoji="1" sz="1400" kern="1200">
         <a:solidFill>
           <a:schemeClr val="tx1"/>
@@ -63,7 +63,7 @@
         <a:cs typeface="+mn-cs"/>
       </a:defRPr>
     </a:lvl5pPr>
-    <a:lvl6pPr marL="1791994" algn="l" defTabSz="716798" rtl="0" eaLnBrk="1" latinLnBrk="0" hangingPunct="1">
+    <a:lvl6pPr marL="1828371" algn="l" defTabSz="731349" rtl="0" eaLnBrk="1" latinLnBrk="0" hangingPunct="1">
       <a:defRPr kumimoji="1" sz="1400" kern="1200">
         <a:solidFill>
           <a:schemeClr val="tx1"/>
@@ -73,7 +73,7 @@
         <a:cs typeface="+mn-cs"/>
       </a:defRPr>
     </a:lvl6pPr>
-    <a:lvl7pPr marL="2150394" algn="l" defTabSz="716798" rtl="0" eaLnBrk="1" latinLnBrk="0" hangingPunct="1">
+    <a:lvl7pPr marL="2194047" algn="l" defTabSz="731349" rtl="0" eaLnBrk="1" latinLnBrk="0" hangingPunct="1">
       <a:defRPr kumimoji="1" sz="1400" kern="1200">
         <a:solidFill>
           <a:schemeClr val="tx1"/>
@@ -83,7 +83,7 @@
         <a:cs typeface="+mn-cs"/>
       </a:defRPr>
     </a:lvl7pPr>
-    <a:lvl8pPr marL="2508792" algn="l" defTabSz="716798" rtl="0" eaLnBrk="1" latinLnBrk="0" hangingPunct="1">
+    <a:lvl8pPr marL="2559720" algn="l" defTabSz="731349" rtl="0" eaLnBrk="1" latinLnBrk="0" hangingPunct="1">
       <a:defRPr kumimoji="1" sz="1400" kern="1200">
         <a:solidFill>
           <a:schemeClr val="tx1"/>
@@ -93,7 +93,7 @@
         <a:cs typeface="+mn-cs"/>
       </a:defRPr>
     </a:lvl8pPr>
-    <a:lvl9pPr marL="2867192" algn="l" defTabSz="716798" rtl="0" eaLnBrk="1" latinLnBrk="0" hangingPunct="1">
+    <a:lvl9pPr marL="2925396" algn="l" defTabSz="731349" rtl="0" eaLnBrk="1" latinLnBrk="0" hangingPunct="1">
       <a:defRPr kumimoji="1" sz="1400" kern="1200">
         <a:solidFill>
           <a:schemeClr val="tx1"/>
@@ -136,8 +136,8 @@
         </p:nvSpPr>
         <p:spPr>
           <a:xfrm>
-            <a:off x="403265" y="2227085"/>
-            <a:ext cx="4570334" cy="1536720"/>
+            <a:off x="411481" y="2272455"/>
+            <a:ext cx="4663440" cy="1568026"/>
           </a:xfrm>
         </p:spPr>
         <p:txBody>
@@ -164,8 +164,8 @@
         </p:nvSpPr>
         <p:spPr>
           <a:xfrm>
-            <a:off x="806530" y="4062518"/>
-            <a:ext cx="3763804" cy="1832116"/>
+            <a:off x="822961" y="4145280"/>
+            <a:ext cx="3840480" cy="1869440"/>
           </a:xfrm>
         </p:spPr>
         <p:txBody>
@@ -181,7 +181,7 @@
                 </a:solidFill>
               </a:defRPr>
             </a:lvl1pPr>
-            <a:lvl2pPr marL="358399" indent="0" algn="ctr">
+            <a:lvl2pPr marL="365674" indent="0" algn="ctr">
               <a:buNone/>
               <a:defRPr>
                 <a:solidFill>
@@ -191,7 +191,7 @@
                 </a:solidFill>
               </a:defRPr>
             </a:lvl2pPr>
-            <a:lvl3pPr marL="716798" indent="0" algn="ctr">
+            <a:lvl3pPr marL="731349" indent="0" algn="ctr">
               <a:buNone/>
               <a:defRPr>
                 <a:solidFill>
@@ -201,7 +201,7 @@
                 </a:solidFill>
               </a:defRPr>
             </a:lvl3pPr>
-            <a:lvl4pPr marL="1075196" indent="0" algn="ctr">
+            <a:lvl4pPr marL="1097022" indent="0" algn="ctr">
               <a:buNone/>
               <a:defRPr>
                 <a:solidFill>
@@ -211,7 +211,7 @@
                 </a:solidFill>
               </a:defRPr>
             </a:lvl4pPr>
-            <a:lvl5pPr marL="1433596" indent="0" algn="ctr">
+            <a:lvl5pPr marL="1462698" indent="0" algn="ctr">
               <a:buNone/>
               <a:defRPr>
                 <a:solidFill>
@@ -221,7 +221,7 @@
                 </a:solidFill>
               </a:defRPr>
             </a:lvl5pPr>
-            <a:lvl6pPr marL="1791994" indent="0" algn="ctr">
+            <a:lvl6pPr marL="1828371" indent="0" algn="ctr">
               <a:buNone/>
               <a:defRPr>
                 <a:solidFill>
@@ -231,7 +231,7 @@
                 </a:solidFill>
               </a:defRPr>
             </a:lvl6pPr>
-            <a:lvl7pPr marL="2150394" indent="0" algn="ctr">
+            <a:lvl7pPr marL="2194047" indent="0" algn="ctr">
               <a:buNone/>
               <a:defRPr>
                 <a:solidFill>
@@ -241,7 +241,7 @@
                 </a:solidFill>
               </a:defRPr>
             </a:lvl7pPr>
-            <a:lvl8pPr marL="2508792" indent="0" algn="ctr">
+            <a:lvl8pPr marL="2559720" indent="0" algn="ctr">
               <a:buNone/>
               <a:defRPr>
                 <a:solidFill>
@@ -251,7 +251,7 @@
                 </a:solidFill>
               </a:defRPr>
             </a:lvl8pPr>
-            <a:lvl9pPr marL="2867192" indent="0" algn="ctr">
+            <a:lvl9pPr marL="2925396" indent="0" algn="ctr">
               <a:buNone/>
               <a:defRPr>
                 <a:solidFill>
@@ -289,7 +289,7 @@
             <a:fld id="{7E4AEFB6-517F-45FA-8550-645612BEEF00}" type="datetimeFigureOut">
               <a:rPr kumimoji="1" lang="ja-JP" altLang="en-US" smtClean="0"/>
               <a:pPr/>
-              <a:t>2020/9/5</a:t>
+              <a:t>2020/9/8</a:t>
             </a:fld>
             <a:endParaRPr kumimoji="1" lang="ja-JP" altLang="en-US"/>
           </a:p>
@@ -488,7 +488,7 @@
             <a:fld id="{7E4AEFB6-517F-45FA-8550-645612BEEF00}" type="datetimeFigureOut">
               <a:rPr kumimoji="1" lang="ja-JP" altLang="en-US" smtClean="0"/>
               <a:pPr/>
-              <a:t>2020/9/5</a:t>
+              <a:t>2020/9/8</a:t>
             </a:fld>
             <a:endParaRPr kumimoji="1" lang="ja-JP" altLang="en-US"/>
           </a:p>
@@ -574,8 +574,8 @@
         </p:nvSpPr>
         <p:spPr>
           <a:xfrm>
-            <a:off x="3898226" y="287101"/>
-            <a:ext cx="1209794" cy="6117011"/>
+            <a:off x="3977640" y="292950"/>
+            <a:ext cx="1234440" cy="6241627"/>
           </a:xfrm>
         </p:spPr>
         <p:txBody>
@@ -602,8 +602,8 @@
         </p:nvSpPr>
         <p:spPr>
           <a:xfrm>
-            <a:off x="268843" y="287101"/>
-            <a:ext cx="3539768" cy="6117011"/>
+            <a:off x="274320" y="292950"/>
+            <a:ext cx="3611880" cy="6241627"/>
           </a:xfrm>
         </p:spPr>
         <p:txBody>
@@ -697,7 +697,7 @@
             <a:fld id="{7E4AEFB6-517F-45FA-8550-645612BEEF00}" type="datetimeFigureOut">
               <a:rPr kumimoji="1" lang="ja-JP" altLang="en-US" smtClean="0"/>
               <a:pPr/>
-              <a:t>2020/9/5</a:t>
+              <a:t>2020/9/8</a:t>
             </a:fld>
             <a:endParaRPr kumimoji="1" lang="ja-JP" altLang="en-US"/>
           </a:p>
@@ -896,7 +896,7 @@
             <a:fld id="{7E4AEFB6-517F-45FA-8550-645612BEEF00}" type="datetimeFigureOut">
               <a:rPr kumimoji="1" lang="ja-JP" altLang="en-US" smtClean="0"/>
               <a:pPr/>
-              <a:t>2020/9/5</a:t>
+              <a:t>2020/9/8</a:t>
             </a:fld>
             <a:endParaRPr kumimoji="1" lang="ja-JP" altLang="en-US"/>
           </a:p>
@@ -982,15 +982,15 @@
         </p:nvSpPr>
         <p:spPr>
           <a:xfrm>
-            <a:off x="424735" y="4606845"/>
-            <a:ext cx="4570334" cy="1423873"/>
+            <a:off x="433388" y="4700696"/>
+            <a:ext cx="4663440" cy="1452880"/>
           </a:xfrm>
         </p:spPr>
         <p:txBody>
           <a:bodyPr anchor="t"/>
           <a:lstStyle>
             <a:lvl1pPr algn="l">
-              <a:defRPr sz="3100" b="1" cap="all"/>
+              <a:defRPr sz="3200" b="1" cap="all"/>
             </a:lvl1pPr>
           </a:lstStyle>
           <a:p>
@@ -1014,8 +1014,8 @@
         </p:nvSpPr>
         <p:spPr>
           <a:xfrm>
-            <a:off x="424735" y="3038594"/>
-            <a:ext cx="4570334" cy="1568251"/>
+            <a:off x="433388" y="3100497"/>
+            <a:ext cx="4663440" cy="1600199"/>
           </a:xfrm>
         </p:spPr>
         <p:txBody>
@@ -1031,7 +1031,7 @@
                 </a:solidFill>
               </a:defRPr>
             </a:lvl1pPr>
-            <a:lvl2pPr marL="358399" indent="0">
+            <a:lvl2pPr marL="365674" indent="0">
               <a:buNone/>
               <a:defRPr sz="1400">
                 <a:solidFill>
@@ -1041,7 +1041,7 @@
                 </a:solidFill>
               </a:defRPr>
             </a:lvl2pPr>
-            <a:lvl3pPr marL="716798" indent="0">
+            <a:lvl3pPr marL="731349" indent="0">
               <a:buNone/>
               <a:defRPr sz="1300">
                 <a:solidFill>
@@ -1051,7 +1051,7 @@
                 </a:solidFill>
               </a:defRPr>
             </a:lvl3pPr>
-            <a:lvl4pPr marL="1075196" indent="0">
+            <a:lvl4pPr marL="1097022" indent="0">
               <a:buNone/>
               <a:defRPr sz="1100">
                 <a:solidFill>
@@ -1061,7 +1061,7 @@
                 </a:solidFill>
               </a:defRPr>
             </a:lvl4pPr>
-            <a:lvl5pPr marL="1433596" indent="0">
+            <a:lvl5pPr marL="1462698" indent="0">
               <a:buNone/>
               <a:defRPr sz="1100">
                 <a:solidFill>
@@ -1071,7 +1071,7 @@
                 </a:solidFill>
               </a:defRPr>
             </a:lvl5pPr>
-            <a:lvl6pPr marL="1791994" indent="0">
+            <a:lvl6pPr marL="1828371" indent="0">
               <a:buNone/>
               <a:defRPr sz="1100">
                 <a:solidFill>
@@ -1081,7 +1081,7 @@
                 </a:solidFill>
               </a:defRPr>
             </a:lvl6pPr>
-            <a:lvl7pPr marL="2150394" indent="0">
+            <a:lvl7pPr marL="2194047" indent="0">
               <a:buNone/>
               <a:defRPr sz="1100">
                 <a:solidFill>
@@ -1091,7 +1091,7 @@
                 </a:solidFill>
               </a:defRPr>
             </a:lvl7pPr>
-            <a:lvl8pPr marL="2508792" indent="0">
+            <a:lvl8pPr marL="2559720" indent="0">
               <a:buNone/>
               <a:defRPr sz="1100">
                 <a:solidFill>
@@ -1101,7 +1101,7 @@
                 </a:solidFill>
               </a:defRPr>
             </a:lvl8pPr>
-            <a:lvl9pPr marL="2867192" indent="0">
+            <a:lvl9pPr marL="2925396" indent="0">
               <a:buNone/>
               <a:defRPr sz="1100">
                 <a:solidFill>
@@ -1139,7 +1139,7 @@
             <a:fld id="{7E4AEFB6-517F-45FA-8550-645612BEEF00}" type="datetimeFigureOut">
               <a:rPr kumimoji="1" lang="ja-JP" altLang="en-US" smtClean="0"/>
               <a:pPr/>
-              <a:t>2020/9/5</a:t>
+              <a:t>2020/9/8</a:t>
             </a:fld>
             <a:endParaRPr kumimoji="1" lang="ja-JP" altLang="en-US"/>
           </a:p>
@@ -1248,8 +1248,8 @@
         </p:nvSpPr>
         <p:spPr>
           <a:xfrm>
-            <a:off x="268843" y="1672805"/>
-            <a:ext cx="2374781" cy="4731307"/>
+            <a:off x="274320" y="1706884"/>
+            <a:ext cx="2423160" cy="4827693"/>
           </a:xfrm>
         </p:spPr>
         <p:txBody>
@@ -1365,8 +1365,8 @@
         </p:nvSpPr>
         <p:spPr>
           <a:xfrm>
-            <a:off x="2733239" y="1672805"/>
-            <a:ext cx="2374781" cy="4731307"/>
+            <a:off x="2788921" y="1706884"/>
+            <a:ext cx="2423160" cy="4827693"/>
           </a:xfrm>
         </p:spPr>
         <p:txBody>
@@ -1488,7 +1488,7 @@
             <a:fld id="{7E4AEFB6-517F-45FA-8550-645612BEEF00}" type="datetimeFigureOut">
               <a:rPr kumimoji="1" lang="ja-JP" altLang="en-US" smtClean="0"/>
               <a:pPr/>
-              <a:t>2020/9/5</a:t>
+              <a:t>2020/9/8</a:t>
             </a:fld>
             <a:endParaRPr kumimoji="1" lang="ja-JP" altLang="en-US"/>
           </a:p>
@@ -1601,8 +1601,8 @@
         </p:nvSpPr>
         <p:spPr>
           <a:xfrm>
-            <a:off x="268844" y="1604762"/>
-            <a:ext cx="2375715" cy="668788"/>
+            <a:off x="274321" y="1637454"/>
+            <a:ext cx="2424113" cy="682413"/>
           </a:xfrm>
         </p:spPr>
         <p:txBody>
@@ -1612,35 +1612,35 @@
               <a:buNone/>
               <a:defRPr sz="1900" b="1"/>
             </a:lvl1pPr>
-            <a:lvl2pPr marL="358399" indent="0">
+            <a:lvl2pPr marL="365674" indent="0">
               <a:buNone/>
               <a:defRPr sz="1600" b="1"/>
             </a:lvl2pPr>
-            <a:lvl3pPr marL="716798" indent="0">
+            <a:lvl3pPr marL="731349" indent="0">
               <a:buNone/>
               <a:defRPr sz="1400" b="1"/>
             </a:lvl3pPr>
-            <a:lvl4pPr marL="1075196" indent="0">
+            <a:lvl4pPr marL="1097022" indent="0">
               <a:buNone/>
               <a:defRPr sz="1300" b="1"/>
             </a:lvl4pPr>
-            <a:lvl5pPr marL="1433596" indent="0">
+            <a:lvl5pPr marL="1462698" indent="0">
               <a:buNone/>
               <a:defRPr sz="1300" b="1"/>
             </a:lvl5pPr>
-            <a:lvl6pPr marL="1791994" indent="0">
+            <a:lvl6pPr marL="1828371" indent="0">
               <a:buNone/>
               <a:defRPr sz="1300" b="1"/>
             </a:lvl6pPr>
-            <a:lvl7pPr marL="2150394" indent="0">
+            <a:lvl7pPr marL="2194047" indent="0">
               <a:buNone/>
               <a:defRPr sz="1300" b="1"/>
             </a:lvl7pPr>
-            <a:lvl8pPr marL="2508792" indent="0">
+            <a:lvl8pPr marL="2559720" indent="0">
               <a:buNone/>
               <a:defRPr sz="1300" b="1"/>
             </a:lvl8pPr>
-            <a:lvl9pPr marL="2867192" indent="0">
+            <a:lvl9pPr marL="2925396" indent="0">
               <a:buNone/>
               <a:defRPr sz="1300" b="1"/>
             </a:lvl9pPr>
@@ -1666,8 +1666,8 @@
         </p:nvSpPr>
         <p:spPr>
           <a:xfrm>
-            <a:off x="268844" y="2273552"/>
-            <a:ext cx="2375715" cy="4130559"/>
+            <a:off x="274321" y="2319869"/>
+            <a:ext cx="2424113" cy="4214707"/>
           </a:xfrm>
         </p:spPr>
         <p:txBody>
@@ -1783,8 +1783,8 @@
         </p:nvSpPr>
         <p:spPr>
           <a:xfrm>
-            <a:off x="2731372" y="1604762"/>
-            <a:ext cx="2376648" cy="668788"/>
+            <a:off x="2787015" y="1637454"/>
+            <a:ext cx="2425065" cy="682413"/>
           </a:xfrm>
         </p:spPr>
         <p:txBody>
@@ -1794,35 +1794,35 @@
               <a:buNone/>
               <a:defRPr sz="1900" b="1"/>
             </a:lvl1pPr>
-            <a:lvl2pPr marL="358399" indent="0">
+            <a:lvl2pPr marL="365674" indent="0">
               <a:buNone/>
               <a:defRPr sz="1600" b="1"/>
             </a:lvl2pPr>
-            <a:lvl3pPr marL="716798" indent="0">
+            <a:lvl3pPr marL="731349" indent="0">
               <a:buNone/>
               <a:defRPr sz="1400" b="1"/>
             </a:lvl3pPr>
-            <a:lvl4pPr marL="1075196" indent="0">
+            <a:lvl4pPr marL="1097022" indent="0">
               <a:buNone/>
               <a:defRPr sz="1300" b="1"/>
             </a:lvl4pPr>
-            <a:lvl5pPr marL="1433596" indent="0">
+            <a:lvl5pPr marL="1462698" indent="0">
               <a:buNone/>
               <a:defRPr sz="1300" b="1"/>
             </a:lvl5pPr>
-            <a:lvl6pPr marL="1791994" indent="0">
+            <a:lvl6pPr marL="1828371" indent="0">
               <a:buNone/>
               <a:defRPr sz="1300" b="1"/>
             </a:lvl6pPr>
-            <a:lvl7pPr marL="2150394" indent="0">
+            <a:lvl7pPr marL="2194047" indent="0">
               <a:buNone/>
               <a:defRPr sz="1300" b="1"/>
             </a:lvl7pPr>
-            <a:lvl8pPr marL="2508792" indent="0">
+            <a:lvl8pPr marL="2559720" indent="0">
               <a:buNone/>
               <a:defRPr sz="1300" b="1"/>
             </a:lvl8pPr>
-            <a:lvl9pPr marL="2867192" indent="0">
+            <a:lvl9pPr marL="2925396" indent="0">
               <a:buNone/>
               <a:defRPr sz="1300" b="1"/>
             </a:lvl9pPr>
@@ -1848,8 +1848,8 @@
         </p:nvSpPr>
         <p:spPr>
           <a:xfrm>
-            <a:off x="2731372" y="2273552"/>
-            <a:ext cx="2376648" cy="4130559"/>
+            <a:off x="2787015" y="2319869"/>
+            <a:ext cx="2425065" cy="4214707"/>
           </a:xfrm>
         </p:spPr>
         <p:txBody>
@@ -1971,7 +1971,7 @@
             <a:fld id="{7E4AEFB6-517F-45FA-8550-645612BEEF00}" type="datetimeFigureOut">
               <a:rPr kumimoji="1" lang="ja-JP" altLang="en-US" smtClean="0"/>
               <a:pPr/>
-              <a:t>2020/9/5</a:t>
+              <a:t>2020/9/8</a:t>
             </a:fld>
             <a:endParaRPr kumimoji="1" lang="ja-JP" altLang="en-US"/>
           </a:p>
@@ -2086,7 +2086,7 @@
             <a:fld id="{7E4AEFB6-517F-45FA-8550-645612BEEF00}" type="datetimeFigureOut">
               <a:rPr kumimoji="1" lang="ja-JP" altLang="en-US" smtClean="0"/>
               <a:pPr/>
-              <a:t>2020/9/5</a:t>
+              <a:t>2020/9/8</a:t>
             </a:fld>
             <a:endParaRPr kumimoji="1" lang="ja-JP" altLang="en-US"/>
           </a:p>
@@ -2178,7 +2178,7 @@
             <a:fld id="{7E4AEFB6-517F-45FA-8550-645612BEEF00}" type="datetimeFigureOut">
               <a:rPr kumimoji="1" lang="ja-JP" altLang="en-US" smtClean="0"/>
               <a:pPr/>
-              <a:t>2020/9/5</a:t>
+              <a:t>2020/9/8</a:t>
             </a:fld>
             <a:endParaRPr kumimoji="1" lang="ja-JP" altLang="en-US"/>
           </a:p>
@@ -2264,8 +2264,8 @@
         </p:nvSpPr>
         <p:spPr>
           <a:xfrm>
-            <a:off x="268846" y="285440"/>
-            <a:ext cx="1768951" cy="1214773"/>
+            <a:off x="274323" y="291256"/>
+            <a:ext cx="1804988" cy="1239520"/>
           </a:xfrm>
         </p:spPr>
         <p:txBody>
@@ -2296,15 +2296,15 @@
         </p:nvSpPr>
         <p:spPr>
           <a:xfrm>
-            <a:off x="2102204" y="285441"/>
-            <a:ext cx="3005816" cy="6118671"/>
+            <a:off x="2145030" y="291256"/>
+            <a:ext cx="3067050" cy="6243321"/>
           </a:xfrm>
         </p:spPr>
         <p:txBody>
           <a:bodyPr/>
           <a:lstStyle>
             <a:lvl1pPr>
-              <a:defRPr sz="2500"/>
+              <a:defRPr sz="2600"/>
             </a:lvl1pPr>
             <a:lvl2pPr>
               <a:defRPr sz="2200"/>
@@ -2413,8 +2413,8 @@
         </p:nvSpPr>
         <p:spPr>
           <a:xfrm>
-            <a:off x="268846" y="1500211"/>
-            <a:ext cx="1768951" cy="4903899"/>
+            <a:off x="274323" y="1530774"/>
+            <a:ext cx="1804988" cy="5003801"/>
           </a:xfrm>
         </p:spPr>
         <p:txBody>
@@ -2424,35 +2424,35 @@
               <a:buNone/>
               <a:defRPr sz="1100"/>
             </a:lvl1pPr>
-            <a:lvl2pPr marL="358399" indent="0">
+            <a:lvl2pPr marL="365674" indent="0">
               <a:buNone/>
               <a:defRPr sz="900"/>
             </a:lvl2pPr>
-            <a:lvl3pPr marL="716798" indent="0">
+            <a:lvl3pPr marL="731349" indent="0">
               <a:buNone/>
               <a:defRPr sz="800"/>
             </a:lvl3pPr>
-            <a:lvl4pPr marL="1075196" indent="0">
+            <a:lvl4pPr marL="1097022" indent="0">
               <a:buNone/>
               <a:defRPr sz="700"/>
             </a:lvl4pPr>
-            <a:lvl5pPr marL="1433596" indent="0">
+            <a:lvl5pPr marL="1462698" indent="0">
               <a:buNone/>
               <a:defRPr sz="700"/>
             </a:lvl5pPr>
-            <a:lvl6pPr marL="1791994" indent="0">
+            <a:lvl6pPr marL="1828371" indent="0">
               <a:buNone/>
               <a:defRPr sz="700"/>
             </a:lvl6pPr>
-            <a:lvl7pPr marL="2150394" indent="0">
+            <a:lvl7pPr marL="2194047" indent="0">
               <a:buNone/>
               <a:defRPr sz="700"/>
             </a:lvl7pPr>
-            <a:lvl8pPr marL="2508792" indent="0">
+            <a:lvl8pPr marL="2559720" indent="0">
               <a:buNone/>
               <a:defRPr sz="700"/>
             </a:lvl8pPr>
-            <a:lvl9pPr marL="2867192" indent="0">
+            <a:lvl9pPr marL="2925396" indent="0">
               <a:buNone/>
               <a:defRPr sz="700"/>
             </a:lvl9pPr>
@@ -2484,7 +2484,7 @@
             <a:fld id="{7E4AEFB6-517F-45FA-8550-645612BEEF00}" type="datetimeFigureOut">
               <a:rPr kumimoji="1" lang="ja-JP" altLang="en-US" smtClean="0"/>
               <a:pPr/>
-              <a:t>2020/9/5</a:t>
+              <a:t>2020/9/8</a:t>
             </a:fld>
             <a:endParaRPr kumimoji="1" lang="ja-JP" altLang="en-US"/>
           </a:p>
@@ -2570,8 +2570,8 @@
         </p:nvSpPr>
         <p:spPr>
           <a:xfrm>
-            <a:off x="1053903" y="5018408"/>
-            <a:ext cx="3226118" cy="592451"/>
+            <a:off x="1075373" y="5120644"/>
+            <a:ext cx="3291840" cy="604520"/>
           </a:xfrm>
         </p:spPr>
         <p:txBody>
@@ -2602,8 +2602,8 @@
         </p:nvSpPr>
         <p:spPr>
           <a:xfrm>
-            <a:off x="1053903" y="640577"/>
-            <a:ext cx="3226118" cy="4301490"/>
+            <a:off x="1075373" y="653627"/>
+            <a:ext cx="3291840" cy="4389120"/>
           </a:xfrm>
         </p:spPr>
         <p:txBody>
@@ -2611,37 +2611,37 @@
           <a:lstStyle>
             <a:lvl1pPr marL="0" indent="0">
               <a:buNone/>
-              <a:defRPr sz="2500"/>
+              <a:defRPr sz="2600"/>
             </a:lvl1pPr>
-            <a:lvl2pPr marL="358399" indent="0">
+            <a:lvl2pPr marL="365674" indent="0">
               <a:buNone/>
               <a:defRPr sz="2200"/>
             </a:lvl2pPr>
-            <a:lvl3pPr marL="716798" indent="0">
+            <a:lvl3pPr marL="731349" indent="0">
               <a:buNone/>
               <a:defRPr sz="1900"/>
             </a:lvl3pPr>
-            <a:lvl4pPr marL="1075196" indent="0">
+            <a:lvl4pPr marL="1097022" indent="0">
               <a:buNone/>
               <a:defRPr sz="1600"/>
             </a:lvl4pPr>
-            <a:lvl5pPr marL="1433596" indent="0">
+            <a:lvl5pPr marL="1462698" indent="0">
               <a:buNone/>
               <a:defRPr sz="1600"/>
             </a:lvl5pPr>
-            <a:lvl6pPr marL="1791994" indent="0">
+            <a:lvl6pPr marL="1828371" indent="0">
               <a:buNone/>
               <a:defRPr sz="1600"/>
             </a:lvl6pPr>
-            <a:lvl7pPr marL="2150394" indent="0">
+            <a:lvl7pPr marL="2194047" indent="0">
               <a:buNone/>
               <a:defRPr sz="1600"/>
             </a:lvl7pPr>
-            <a:lvl8pPr marL="2508792" indent="0">
+            <a:lvl8pPr marL="2559720" indent="0">
               <a:buNone/>
               <a:defRPr sz="1600"/>
             </a:lvl8pPr>
-            <a:lvl9pPr marL="2867192" indent="0">
+            <a:lvl9pPr marL="2925396" indent="0">
               <a:buNone/>
               <a:defRPr sz="1600"/>
             </a:lvl9pPr>
@@ -2663,8 +2663,8 @@
         </p:nvSpPr>
         <p:spPr>
           <a:xfrm>
-            <a:off x="1053903" y="5610859"/>
-            <a:ext cx="3226118" cy="841379"/>
+            <a:off x="1075373" y="5725164"/>
+            <a:ext cx="3291840" cy="858520"/>
           </a:xfrm>
         </p:spPr>
         <p:txBody>
@@ -2674,35 +2674,35 @@
               <a:buNone/>
               <a:defRPr sz="1100"/>
             </a:lvl1pPr>
-            <a:lvl2pPr marL="358399" indent="0">
+            <a:lvl2pPr marL="365674" indent="0">
               <a:buNone/>
               <a:defRPr sz="900"/>
             </a:lvl2pPr>
-            <a:lvl3pPr marL="716798" indent="0">
+            <a:lvl3pPr marL="731349" indent="0">
               <a:buNone/>
               <a:defRPr sz="800"/>
             </a:lvl3pPr>
-            <a:lvl4pPr marL="1075196" indent="0">
+            <a:lvl4pPr marL="1097022" indent="0">
               <a:buNone/>
               <a:defRPr sz="700"/>
             </a:lvl4pPr>
-            <a:lvl5pPr marL="1433596" indent="0">
+            <a:lvl5pPr marL="1462698" indent="0">
               <a:buNone/>
               <a:defRPr sz="700"/>
             </a:lvl5pPr>
-            <a:lvl6pPr marL="1791994" indent="0">
+            <a:lvl6pPr marL="1828371" indent="0">
               <a:buNone/>
               <a:defRPr sz="700"/>
             </a:lvl6pPr>
-            <a:lvl7pPr marL="2150394" indent="0">
+            <a:lvl7pPr marL="2194047" indent="0">
               <a:buNone/>
               <a:defRPr sz="700"/>
             </a:lvl7pPr>
-            <a:lvl8pPr marL="2508792" indent="0">
+            <a:lvl8pPr marL="2559720" indent="0">
               <a:buNone/>
               <a:defRPr sz="700"/>
             </a:lvl8pPr>
-            <a:lvl9pPr marL="2867192" indent="0">
+            <a:lvl9pPr marL="2925396" indent="0">
               <a:buNone/>
               <a:defRPr sz="700"/>
             </a:lvl9pPr>
@@ -2734,7 +2734,7 @@
             <a:fld id="{7E4AEFB6-517F-45FA-8550-645612BEEF00}" type="datetimeFigureOut">
               <a:rPr kumimoji="1" lang="ja-JP" altLang="en-US" smtClean="0"/>
               <a:pPr/>
-              <a:t>2020/9/5</a:t>
+              <a:t>2020/9/8</a:t>
             </a:fld>
             <a:endParaRPr kumimoji="1" lang="ja-JP" altLang="en-US"/>
           </a:p>
@@ -2825,15 +2825,15 @@
         </p:nvSpPr>
         <p:spPr>
           <a:xfrm>
-            <a:off x="268845" y="287099"/>
-            <a:ext cx="4839177" cy="1194858"/>
+            <a:off x="274323" y="292948"/>
+            <a:ext cx="4937760" cy="1219200"/>
           </a:xfrm>
           <a:prstGeom prst="rect">
             <a:avLst/>
           </a:prstGeom>
         </p:spPr>
         <p:txBody>
-          <a:bodyPr vert="horz" lIns="71679" tIns="35839" rIns="71679" bIns="35839" rtlCol="0" anchor="ctr">
+          <a:bodyPr vert="horz" lIns="73134" tIns="36567" rIns="73134" bIns="36567" rtlCol="0" anchor="ctr">
             <a:normAutofit/>
           </a:bodyPr>
           <a:lstStyle/>
@@ -2858,15 +2858,15 @@
         </p:nvSpPr>
         <p:spPr>
           <a:xfrm>
-            <a:off x="268845" y="1672805"/>
-            <a:ext cx="4839177" cy="4731307"/>
+            <a:off x="274323" y="1706884"/>
+            <a:ext cx="4937760" cy="4827693"/>
           </a:xfrm>
           <a:prstGeom prst="rect">
             <a:avLst/>
           </a:prstGeom>
         </p:spPr>
         <p:txBody>
-          <a:bodyPr vert="horz" lIns="71679" tIns="35839" rIns="71679" bIns="35839" rtlCol="0">
+          <a:bodyPr vert="horz" lIns="73134" tIns="36567" rIns="73134" bIns="36567" rtlCol="0">
             <a:normAutofit/>
           </a:bodyPr>
           <a:lstStyle/>
@@ -2952,15 +2952,15 @@
         </p:nvSpPr>
         <p:spPr>
           <a:xfrm>
-            <a:off x="268845" y="6644743"/>
-            <a:ext cx="1254601" cy="381691"/>
+            <a:off x="274322" y="6780110"/>
+            <a:ext cx="1280160" cy="389467"/>
           </a:xfrm>
           <a:prstGeom prst="rect">
             <a:avLst/>
           </a:prstGeom>
         </p:spPr>
         <p:txBody>
-          <a:bodyPr vert="horz" lIns="71679" tIns="35839" rIns="71679" bIns="35839" rtlCol="0" anchor="ctr"/>
+          <a:bodyPr vert="horz" lIns="73134" tIns="36567" rIns="73134" bIns="36567" rtlCol="0" anchor="ctr"/>
           <a:lstStyle>
             <a:lvl1pPr algn="l">
               <a:defRPr sz="900">
@@ -2976,7 +2976,7 @@
             <a:fld id="{7E4AEFB6-517F-45FA-8550-645612BEEF00}" type="datetimeFigureOut">
               <a:rPr kumimoji="1" lang="ja-JP" altLang="en-US" smtClean="0"/>
               <a:pPr/>
-              <a:t>2020/9/5</a:t>
+              <a:t>2020/9/8</a:t>
             </a:fld>
             <a:endParaRPr kumimoji="1" lang="ja-JP" altLang="en-US"/>
           </a:p>
@@ -2994,15 +2994,15 @@
         </p:nvSpPr>
         <p:spPr>
           <a:xfrm>
-            <a:off x="1837097" y="6644743"/>
-            <a:ext cx="1702673" cy="381691"/>
+            <a:off x="1874523" y="6780110"/>
+            <a:ext cx="1737360" cy="389467"/>
           </a:xfrm>
           <a:prstGeom prst="rect">
             <a:avLst/>
           </a:prstGeom>
         </p:spPr>
         <p:txBody>
-          <a:bodyPr vert="horz" lIns="71679" tIns="35839" rIns="71679" bIns="35839" rtlCol="0" anchor="ctr"/>
+          <a:bodyPr vert="horz" lIns="73134" tIns="36567" rIns="73134" bIns="36567" rtlCol="0" anchor="ctr"/>
           <a:lstStyle>
             <a:lvl1pPr algn="ctr">
               <a:defRPr sz="900">
@@ -3031,15 +3031,15 @@
         </p:nvSpPr>
         <p:spPr>
           <a:xfrm>
-            <a:off x="3853421" y="6644743"/>
-            <a:ext cx="1254601" cy="381691"/>
+            <a:off x="3931923" y="6780110"/>
+            <a:ext cx="1280160" cy="389467"/>
           </a:xfrm>
           <a:prstGeom prst="rect">
             <a:avLst/>
           </a:prstGeom>
         </p:spPr>
         <p:txBody>
-          <a:bodyPr vert="horz" lIns="71679" tIns="35839" rIns="71679" bIns="35839" rtlCol="0" anchor="ctr"/>
+          <a:bodyPr vert="horz" lIns="73134" tIns="36567" rIns="73134" bIns="36567" rtlCol="0" anchor="ctr"/>
           <a:lstStyle>
             <a:lvl1pPr algn="r">
               <a:defRPr sz="900">
@@ -3079,12 +3079,12 @@
   </p:sldLayoutIdLst>
   <p:txStyles>
     <p:titleStyle>
-      <a:lvl1pPr algn="ctr" defTabSz="716798" rtl="0" eaLnBrk="1" latinLnBrk="0" hangingPunct="1">
+      <a:lvl1pPr algn="ctr" defTabSz="731349" rtl="0" eaLnBrk="1" latinLnBrk="0" hangingPunct="1">
         <a:spcBef>
           <a:spcPct val="0"/>
         </a:spcBef>
         <a:buNone/>
-        <a:defRPr kumimoji="1" sz="3400" kern="1200">
+        <a:defRPr kumimoji="1" sz="3500" kern="1200">
           <a:solidFill>
             <a:schemeClr val="tx1"/>
           </a:solidFill>
@@ -3095,13 +3095,13 @@
       </a:lvl1pPr>
     </p:titleStyle>
     <p:bodyStyle>
-      <a:lvl1pPr marL="268800" indent="-268800" algn="l" defTabSz="716798" rtl="0" eaLnBrk="1" latinLnBrk="0" hangingPunct="1">
+      <a:lvl1pPr marL="274257" indent="-274257" algn="l" defTabSz="731349" rtl="0" eaLnBrk="1" latinLnBrk="0" hangingPunct="1">
         <a:spcBef>
           <a:spcPct val="20000"/>
         </a:spcBef>
         <a:buFont typeface="Arial" pitchFamily="34" charset="0"/>
         <a:buChar char="•"/>
-        <a:defRPr kumimoji="1" sz="2500" kern="1200">
+        <a:defRPr kumimoji="1" sz="2600" kern="1200">
           <a:solidFill>
             <a:schemeClr val="tx1"/>
           </a:solidFill>
@@ -3110,7 +3110,7 @@
           <a:cs typeface="+mn-cs"/>
         </a:defRPr>
       </a:lvl1pPr>
-      <a:lvl2pPr marL="582399" indent="-223999" algn="l" defTabSz="716798" rtl="0" eaLnBrk="1" latinLnBrk="0" hangingPunct="1">
+      <a:lvl2pPr marL="594222" indent="-228546" algn="l" defTabSz="731349" rtl="0" eaLnBrk="1" latinLnBrk="0" hangingPunct="1">
         <a:spcBef>
           <a:spcPct val="20000"/>
         </a:spcBef>
@@ -3125,7 +3125,7 @@
           <a:cs typeface="+mn-cs"/>
         </a:defRPr>
       </a:lvl2pPr>
-      <a:lvl3pPr marL="895998" indent="-179199" algn="l" defTabSz="716798" rtl="0" eaLnBrk="1" latinLnBrk="0" hangingPunct="1">
+      <a:lvl3pPr marL="914187" indent="-182837" algn="l" defTabSz="731349" rtl="0" eaLnBrk="1" latinLnBrk="0" hangingPunct="1">
         <a:spcBef>
           <a:spcPct val="20000"/>
         </a:spcBef>
@@ -3140,7 +3140,7 @@
           <a:cs typeface="+mn-cs"/>
         </a:defRPr>
       </a:lvl3pPr>
-      <a:lvl4pPr marL="1254397" indent="-179199" algn="l" defTabSz="716798" rtl="0" eaLnBrk="1" latinLnBrk="0" hangingPunct="1">
+      <a:lvl4pPr marL="1279861" indent="-182837" algn="l" defTabSz="731349" rtl="0" eaLnBrk="1" latinLnBrk="0" hangingPunct="1">
         <a:spcBef>
           <a:spcPct val="20000"/>
         </a:spcBef>
@@ -3155,7 +3155,7 @@
           <a:cs typeface="+mn-cs"/>
         </a:defRPr>
       </a:lvl4pPr>
-      <a:lvl5pPr marL="1612796" indent="-179199" algn="l" defTabSz="716798" rtl="0" eaLnBrk="1" latinLnBrk="0" hangingPunct="1">
+      <a:lvl5pPr marL="1645536" indent="-182837" algn="l" defTabSz="731349" rtl="0" eaLnBrk="1" latinLnBrk="0" hangingPunct="1">
         <a:spcBef>
           <a:spcPct val="20000"/>
         </a:spcBef>
@@ -3170,7 +3170,7 @@
           <a:cs typeface="+mn-cs"/>
         </a:defRPr>
       </a:lvl5pPr>
-      <a:lvl6pPr marL="1971194" indent="-179199" algn="l" defTabSz="716798" rtl="0" eaLnBrk="1" latinLnBrk="0" hangingPunct="1">
+      <a:lvl6pPr marL="2011209" indent="-182837" algn="l" defTabSz="731349" rtl="0" eaLnBrk="1" latinLnBrk="0" hangingPunct="1">
         <a:spcBef>
           <a:spcPct val="20000"/>
         </a:spcBef>
@@ -3185,7 +3185,7 @@
           <a:cs typeface="+mn-cs"/>
         </a:defRPr>
       </a:lvl6pPr>
-      <a:lvl7pPr marL="2329593" indent="-179199" algn="l" defTabSz="716798" rtl="0" eaLnBrk="1" latinLnBrk="0" hangingPunct="1">
+      <a:lvl7pPr marL="2376884" indent="-182837" algn="l" defTabSz="731349" rtl="0" eaLnBrk="1" latinLnBrk="0" hangingPunct="1">
         <a:spcBef>
           <a:spcPct val="20000"/>
         </a:spcBef>
@@ -3200,7 +3200,7 @@
           <a:cs typeface="+mn-cs"/>
         </a:defRPr>
       </a:lvl7pPr>
-      <a:lvl8pPr marL="2687992" indent="-179199" algn="l" defTabSz="716798" rtl="0" eaLnBrk="1" latinLnBrk="0" hangingPunct="1">
+      <a:lvl8pPr marL="2742558" indent="-182837" algn="l" defTabSz="731349" rtl="0" eaLnBrk="1" latinLnBrk="0" hangingPunct="1">
         <a:spcBef>
           <a:spcPct val="20000"/>
         </a:spcBef>
@@ -3215,7 +3215,7 @@
           <a:cs typeface="+mn-cs"/>
         </a:defRPr>
       </a:lvl8pPr>
-      <a:lvl9pPr marL="3046391" indent="-179199" algn="l" defTabSz="716798" rtl="0" eaLnBrk="1" latinLnBrk="0" hangingPunct="1">
+      <a:lvl9pPr marL="3108233" indent="-182837" algn="l" defTabSz="731349" rtl="0" eaLnBrk="1" latinLnBrk="0" hangingPunct="1">
         <a:spcBef>
           <a:spcPct val="20000"/>
         </a:spcBef>
@@ -3235,7 +3235,7 @@
       <a:defPPr>
         <a:defRPr lang="ja-JP"/>
       </a:defPPr>
-      <a:lvl1pPr marL="0" algn="l" defTabSz="716798" rtl="0" eaLnBrk="1" latinLnBrk="0" hangingPunct="1">
+      <a:lvl1pPr marL="0" algn="l" defTabSz="731349" rtl="0" eaLnBrk="1" latinLnBrk="0" hangingPunct="1">
         <a:defRPr kumimoji="1" sz="1400" kern="1200">
           <a:solidFill>
             <a:schemeClr val="tx1"/>
@@ -3245,7 +3245,7 @@
           <a:cs typeface="+mn-cs"/>
         </a:defRPr>
       </a:lvl1pPr>
-      <a:lvl2pPr marL="358399" algn="l" defTabSz="716798" rtl="0" eaLnBrk="1" latinLnBrk="0" hangingPunct="1">
+      <a:lvl2pPr marL="365674" algn="l" defTabSz="731349" rtl="0" eaLnBrk="1" latinLnBrk="0" hangingPunct="1">
         <a:defRPr kumimoji="1" sz="1400" kern="1200">
           <a:solidFill>
             <a:schemeClr val="tx1"/>
@@ -3255,7 +3255,7 @@
           <a:cs typeface="+mn-cs"/>
         </a:defRPr>
       </a:lvl2pPr>
-      <a:lvl3pPr marL="716798" algn="l" defTabSz="716798" rtl="0" eaLnBrk="1" latinLnBrk="0" hangingPunct="1">
+      <a:lvl3pPr marL="731349" algn="l" defTabSz="731349" rtl="0" eaLnBrk="1" latinLnBrk="0" hangingPunct="1">
         <a:defRPr kumimoji="1" sz="1400" kern="1200">
           <a:solidFill>
             <a:schemeClr val="tx1"/>
@@ -3265,7 +3265,7 @@
           <a:cs typeface="+mn-cs"/>
         </a:defRPr>
       </a:lvl3pPr>
-      <a:lvl4pPr marL="1075196" algn="l" defTabSz="716798" rtl="0" eaLnBrk="1" latinLnBrk="0" hangingPunct="1">
+      <a:lvl4pPr marL="1097022" algn="l" defTabSz="731349" rtl="0" eaLnBrk="1" latinLnBrk="0" hangingPunct="1">
         <a:defRPr kumimoji="1" sz="1400" kern="1200">
           <a:solidFill>
             <a:schemeClr val="tx1"/>
@@ -3275,7 +3275,7 @@
           <a:cs typeface="+mn-cs"/>
         </a:defRPr>
       </a:lvl4pPr>
-      <a:lvl5pPr marL="1433596" algn="l" defTabSz="716798" rtl="0" eaLnBrk="1" latinLnBrk="0" hangingPunct="1">
+      <a:lvl5pPr marL="1462698" algn="l" defTabSz="731349" rtl="0" eaLnBrk="1" latinLnBrk="0" hangingPunct="1">
         <a:defRPr kumimoji="1" sz="1400" kern="1200">
           <a:solidFill>
             <a:schemeClr val="tx1"/>
@@ -3285,7 +3285,7 @@
           <a:cs typeface="+mn-cs"/>
         </a:defRPr>
       </a:lvl5pPr>
-      <a:lvl6pPr marL="1791994" algn="l" defTabSz="716798" rtl="0" eaLnBrk="1" latinLnBrk="0" hangingPunct="1">
+      <a:lvl6pPr marL="1828371" algn="l" defTabSz="731349" rtl="0" eaLnBrk="1" latinLnBrk="0" hangingPunct="1">
         <a:defRPr kumimoji="1" sz="1400" kern="1200">
           <a:solidFill>
             <a:schemeClr val="tx1"/>
@@ -3295,7 +3295,7 @@
           <a:cs typeface="+mn-cs"/>
         </a:defRPr>
       </a:lvl6pPr>
-      <a:lvl7pPr marL="2150394" algn="l" defTabSz="716798" rtl="0" eaLnBrk="1" latinLnBrk="0" hangingPunct="1">
+      <a:lvl7pPr marL="2194047" algn="l" defTabSz="731349" rtl="0" eaLnBrk="1" latinLnBrk="0" hangingPunct="1">
         <a:defRPr kumimoji="1" sz="1400" kern="1200">
           <a:solidFill>
             <a:schemeClr val="tx1"/>
@@ -3305,7 +3305,7 @@
           <a:cs typeface="+mn-cs"/>
         </a:defRPr>
       </a:lvl7pPr>
-      <a:lvl8pPr marL="2508792" algn="l" defTabSz="716798" rtl="0" eaLnBrk="1" latinLnBrk="0" hangingPunct="1">
+      <a:lvl8pPr marL="2559720" algn="l" defTabSz="731349" rtl="0" eaLnBrk="1" latinLnBrk="0" hangingPunct="1">
         <a:defRPr kumimoji="1" sz="1400" kern="1200">
           <a:solidFill>
             <a:schemeClr val="tx1"/>
@@ -3315,7 +3315,7 @@
           <a:cs typeface="+mn-cs"/>
         </a:defRPr>
       </a:lvl8pPr>
-      <a:lvl9pPr marL="2867192" algn="l" defTabSz="716798" rtl="0" eaLnBrk="1" latinLnBrk="0" hangingPunct="1">
+      <a:lvl9pPr marL="2925396" algn="l" defTabSz="731349" rtl="0" eaLnBrk="1" latinLnBrk="0" hangingPunct="1">
         <a:defRPr kumimoji="1" sz="1400" kern="1200">
           <a:solidFill>
             <a:schemeClr val="tx1"/>
@@ -3355,8 +3355,8 @@
         </p:nvSpPr>
         <p:spPr>
           <a:xfrm>
-            <a:off x="2" y="4088633"/>
-            <a:ext cx="5376863" cy="3080519"/>
+            <a:off x="3" y="4171927"/>
+            <a:ext cx="5486400" cy="3143275"/>
           </a:xfrm>
           <a:prstGeom prst="rect">
             <a:avLst/>
@@ -3385,7 +3385,7 @@
           </a:fontRef>
         </p:style>
         <p:txBody>
-          <a:bodyPr lIns="91428" tIns="45714" rIns="91428" bIns="45714" rtlCol="0" anchor="ctr"/>
+          <a:bodyPr lIns="93284" tIns="46642" rIns="93284" bIns="46642" rtlCol="0" anchor="ctr"/>
           <a:lstStyle/>
           <a:p>
             <a:pPr algn="ctr"/>
@@ -3401,8 +3401,8 @@
         </p:nvSpPr>
         <p:spPr>
           <a:xfrm>
-            <a:off x="2" y="-15825"/>
-            <a:ext cx="5376863" cy="4144814"/>
+            <a:off x="3" y="-16147"/>
+            <a:ext cx="5486400" cy="4229252"/>
           </a:xfrm>
           <a:prstGeom prst="rect">
             <a:avLst/>
@@ -3431,7 +3431,7 @@
           </a:fontRef>
         </p:style>
         <p:txBody>
-          <a:bodyPr lIns="91428" tIns="45714" rIns="91428" bIns="45714" rtlCol="0" anchor="ctr"/>
+          <a:bodyPr lIns="93284" tIns="46642" rIns="93284" bIns="46642" rtlCol="0" anchor="ctr"/>
           <a:lstStyle/>
           <a:p>
             <a:pPr algn="ctr"/>
@@ -3449,8 +3449,8 @@
         </p:nvSpPr>
         <p:spPr bwMode="auto">
           <a:xfrm>
-            <a:off x="63502" y="-136523"/>
-            <a:ext cx="303213" cy="303213"/>
+            <a:off x="64796" y="-139304"/>
+            <a:ext cx="309390" cy="309390"/>
           </a:xfrm>
           <a:prstGeom prst="rect">
             <a:avLst/>
@@ -3458,7 +3458,7 @@
           <a:noFill/>
         </p:spPr>
         <p:txBody>
-          <a:bodyPr vert="horz" wrap="square" lIns="91428" tIns="45714" rIns="91428" bIns="45714" numCol="1" anchor="t" anchorCtr="0" compatLnSpc="1">
+          <a:bodyPr vert="horz" wrap="square" lIns="93284" tIns="46642" rIns="93284" bIns="46642" numCol="1" anchor="t" anchorCtr="0" compatLnSpc="1">
             <a:prstTxWarp prst="textNoShape">
               <a:avLst/>
             </a:prstTxWarp>
@@ -3469,539 +3469,524 @@
           </a:p>
         </p:txBody>
       </p:sp>
-      <p:grpSp>
-        <p:nvGrpSpPr>
-          <p:cNvPr id="36" name="グループ化 35"/>
-          <p:cNvGrpSpPr/>
+      <p:sp>
+        <p:nvSpPr>
+          <p:cNvPr id="37" name="円/楕円 36"/>
+          <p:cNvSpPr/>
           <p:nvPr/>
-        </p:nvGrpSpPr>
-        <p:grpSpPr>
+        </p:nvSpPr>
+        <p:spPr>
           <a:xfrm>
-            <a:off x="2472409" y="3347244"/>
-            <a:ext cx="489597" cy="813395"/>
-            <a:chOff x="3342578" y="4016623"/>
-            <a:chExt cx="1520642" cy="2461195"/>
+            <a:off x="2653799" y="3415435"/>
+            <a:ext cx="235012" cy="294218"/>
           </a:xfrm>
-        </p:grpSpPr>
-        <p:sp>
-          <p:nvSpPr>
-            <p:cNvPr id="37" name="円/楕円 36"/>
-            <p:cNvSpPr/>
-            <p:nvPr/>
-          </p:nvSpPr>
-          <p:spPr>
-            <a:xfrm>
-              <a:off x="3741396" y="4016623"/>
-              <a:ext cx="715352" cy="872480"/>
-            </a:xfrm>
-            <a:prstGeom prst="ellipse">
-              <a:avLst/>
-            </a:prstGeom>
+          <a:prstGeom prst="ellipse">
+            <a:avLst/>
+          </a:prstGeom>
+          <a:solidFill>
+            <a:schemeClr val="tx1"/>
+          </a:solidFill>
+          <a:ln w="6350">
             <a:solidFill>
               <a:schemeClr val="tx1"/>
             </a:solidFill>
-            <a:ln w="6350">
-              <a:solidFill>
-                <a:schemeClr val="tx1"/>
-              </a:solidFill>
-            </a:ln>
-          </p:spPr>
-          <p:style>
-            <a:lnRef idx="2">
-              <a:schemeClr val="accent1">
-                <a:shade val="50000"/>
-              </a:schemeClr>
-            </a:lnRef>
-            <a:fillRef idx="1">
-              <a:schemeClr val="accent1"/>
-            </a:fillRef>
-            <a:effectRef idx="0">
-              <a:schemeClr val="accent1"/>
-            </a:effectRef>
-            <a:fontRef idx="minor">
-              <a:schemeClr val="lt1"/>
-            </a:fontRef>
-          </p:style>
-          <p:txBody>
-            <a:bodyPr rtlCol="0" anchor="ctr"/>
-            <a:lstStyle/>
-            <a:p>
-              <a:pPr algn="ctr"/>
-              <a:endParaRPr kumimoji="1" lang="ja-JP" altLang="en-US"/>
-            </a:p>
-          </p:txBody>
-        </p:sp>
-        <p:sp>
-          <p:nvSpPr>
-            <p:cNvPr id="38" name="円/楕円 37"/>
-            <p:cNvSpPr/>
-            <p:nvPr/>
-          </p:nvSpPr>
-          <p:spPr>
-            <a:xfrm rot="1805834">
-              <a:off x="3342578" y="4646060"/>
-              <a:ext cx="486155" cy="1016496"/>
-            </a:xfrm>
-            <a:prstGeom prst="ellipse">
-              <a:avLst/>
-            </a:prstGeom>
+          </a:ln>
+        </p:spPr>
+        <p:style>
+          <a:lnRef idx="2">
+            <a:schemeClr val="accent1">
+              <a:shade val="50000"/>
+            </a:schemeClr>
+          </a:lnRef>
+          <a:fillRef idx="1">
+            <a:schemeClr val="accent1"/>
+          </a:fillRef>
+          <a:effectRef idx="0">
+            <a:schemeClr val="accent1"/>
+          </a:effectRef>
+          <a:fontRef idx="minor">
+            <a:schemeClr val="lt1"/>
+          </a:fontRef>
+        </p:style>
+        <p:txBody>
+          <a:bodyPr rtlCol="0" anchor="ctr"/>
+          <a:lstStyle/>
+          <a:p>
+            <a:pPr algn="ctr"/>
+            <a:endParaRPr kumimoji="1" lang="ja-JP" altLang="en-US"/>
+          </a:p>
+        </p:txBody>
+      </p:sp>
+      <p:sp>
+        <p:nvSpPr>
+          <p:cNvPr id="38" name="円/楕円 37"/>
+          <p:cNvSpPr/>
+          <p:nvPr/>
+        </p:nvSpPr>
+        <p:spPr>
+          <a:xfrm rot="8331487">
+            <a:off x="2491016" y="3500527"/>
+            <a:ext cx="159715" cy="342783"/>
+          </a:xfrm>
+          <a:prstGeom prst="ellipse">
+            <a:avLst/>
+          </a:prstGeom>
+          <a:solidFill>
+            <a:schemeClr val="tx1"/>
+          </a:solidFill>
+          <a:ln w="6350">
             <a:solidFill>
               <a:schemeClr val="tx1"/>
             </a:solidFill>
-            <a:ln w="6350">
-              <a:solidFill>
-                <a:schemeClr val="tx1"/>
-              </a:solidFill>
-            </a:ln>
-          </p:spPr>
-          <p:style>
-            <a:lnRef idx="2">
-              <a:schemeClr val="accent1">
-                <a:shade val="50000"/>
-              </a:schemeClr>
-            </a:lnRef>
-            <a:fillRef idx="1">
-              <a:schemeClr val="accent1"/>
-            </a:fillRef>
-            <a:effectRef idx="0">
-              <a:schemeClr val="accent1"/>
-            </a:effectRef>
-            <a:fontRef idx="minor">
-              <a:schemeClr val="lt1"/>
-            </a:fontRef>
-          </p:style>
-          <p:txBody>
-            <a:bodyPr rtlCol="0" anchor="ctr"/>
-            <a:lstStyle/>
-            <a:p>
-              <a:pPr algn="ctr"/>
-              <a:endParaRPr kumimoji="1" lang="ja-JP" altLang="en-US"/>
-            </a:p>
-          </p:txBody>
-        </p:sp>
-        <p:sp>
-          <p:nvSpPr>
-            <p:cNvPr id="39" name="円/楕円 38"/>
-            <p:cNvSpPr/>
-            <p:nvPr/>
-          </p:nvSpPr>
-          <p:spPr>
-            <a:xfrm rot="20245710">
-              <a:off x="4377065" y="4719067"/>
-              <a:ext cx="486155" cy="1016496"/>
-            </a:xfrm>
-            <a:prstGeom prst="ellipse">
-              <a:avLst/>
-            </a:prstGeom>
+          </a:ln>
+        </p:spPr>
+        <p:style>
+          <a:lnRef idx="2">
+            <a:schemeClr val="accent1">
+              <a:shade val="50000"/>
+            </a:schemeClr>
+          </a:lnRef>
+          <a:fillRef idx="1">
+            <a:schemeClr val="accent1"/>
+          </a:fillRef>
+          <a:effectRef idx="0">
+            <a:schemeClr val="accent1"/>
+          </a:effectRef>
+          <a:fontRef idx="minor">
+            <a:schemeClr val="lt1"/>
+          </a:fontRef>
+        </p:style>
+        <p:txBody>
+          <a:bodyPr rtlCol="0" anchor="ctr"/>
+          <a:lstStyle/>
+          <a:p>
+            <a:pPr algn="ctr"/>
+            <a:endParaRPr kumimoji="1" lang="ja-JP" altLang="en-US"/>
+          </a:p>
+        </p:txBody>
+      </p:sp>
+      <p:sp>
+        <p:nvSpPr>
+          <p:cNvPr id="39" name="円/楕円 38"/>
+          <p:cNvSpPr/>
+          <p:nvPr/>
+        </p:nvSpPr>
+        <p:spPr>
+          <a:xfrm rot="20245710">
+            <a:off x="2862633" y="3652313"/>
+            <a:ext cx="159715" cy="342783"/>
+          </a:xfrm>
+          <a:prstGeom prst="ellipse">
+            <a:avLst/>
+          </a:prstGeom>
+          <a:solidFill>
+            <a:schemeClr val="tx1"/>
+          </a:solidFill>
+          <a:ln w="6350">
             <a:solidFill>
               <a:schemeClr val="tx1"/>
             </a:solidFill>
-            <a:ln w="6350">
-              <a:solidFill>
-                <a:schemeClr val="tx1"/>
-              </a:solidFill>
-            </a:ln>
-          </p:spPr>
-          <p:style>
-            <a:lnRef idx="2">
-              <a:schemeClr val="accent1">
-                <a:shade val="50000"/>
-              </a:schemeClr>
-            </a:lnRef>
-            <a:fillRef idx="1">
-              <a:schemeClr val="accent1"/>
-            </a:fillRef>
-            <a:effectRef idx="0">
-              <a:schemeClr val="accent1"/>
-            </a:effectRef>
-            <a:fontRef idx="minor">
-              <a:schemeClr val="lt1"/>
-            </a:fontRef>
-          </p:style>
-          <p:txBody>
-            <a:bodyPr rtlCol="0" anchor="ctr"/>
-            <a:lstStyle/>
-            <a:p>
-              <a:pPr algn="ctr"/>
-              <a:endParaRPr kumimoji="1" lang="ja-JP" altLang="en-US"/>
-            </a:p>
-          </p:txBody>
-        </p:sp>
-        <p:sp>
-          <p:nvSpPr>
-            <p:cNvPr id="40" name="円/楕円 39"/>
-            <p:cNvSpPr/>
-            <p:nvPr/>
-          </p:nvSpPr>
-          <p:spPr>
-            <a:xfrm>
-              <a:off x="3590627" y="4448671"/>
-              <a:ext cx="998656" cy="1944216"/>
-            </a:xfrm>
-            <a:prstGeom prst="ellipse">
-              <a:avLst/>
-            </a:prstGeom>
-            <a:solidFill>
-              <a:schemeClr val="bg1"/>
-            </a:solidFill>
-            <a:ln w="6350">
-              <a:solidFill>
-                <a:schemeClr val="tx1"/>
-              </a:solidFill>
-            </a:ln>
-          </p:spPr>
-          <p:style>
-            <a:lnRef idx="2">
-              <a:schemeClr val="accent1">
-                <a:shade val="50000"/>
-              </a:schemeClr>
-            </a:lnRef>
-            <a:fillRef idx="1">
-              <a:schemeClr val="accent1"/>
-            </a:fillRef>
-            <a:effectRef idx="0">
-              <a:schemeClr val="accent1"/>
-            </a:effectRef>
-            <a:fontRef idx="minor">
-              <a:schemeClr val="lt1"/>
-            </a:fontRef>
-          </p:style>
-          <p:txBody>
-            <a:bodyPr rtlCol="0" anchor="ctr"/>
-            <a:lstStyle/>
-            <a:p>
-              <a:pPr algn="ctr"/>
-              <a:endParaRPr kumimoji="1" lang="ja-JP" altLang="en-US"/>
-            </a:p>
-          </p:txBody>
-        </p:sp>
-        <p:sp>
-          <p:nvSpPr>
-            <p:cNvPr id="41" name="円/楕円 40"/>
-            <p:cNvSpPr/>
-            <p:nvPr/>
-          </p:nvSpPr>
-          <p:spPr>
-            <a:xfrm>
-              <a:off x="3871788" y="4155086"/>
-              <a:ext cx="158967" cy="144016"/>
-            </a:xfrm>
-            <a:prstGeom prst="ellipse">
-              <a:avLst/>
-            </a:prstGeom>
-            <a:solidFill>
-              <a:schemeClr val="bg1"/>
-            </a:solidFill>
-            <a:ln>
-              <a:noFill/>
-            </a:ln>
-          </p:spPr>
-          <p:style>
-            <a:lnRef idx="2">
-              <a:schemeClr val="accent1">
-                <a:shade val="50000"/>
-              </a:schemeClr>
-            </a:lnRef>
-            <a:fillRef idx="1">
-              <a:schemeClr val="accent1"/>
-            </a:fillRef>
-            <a:effectRef idx="0">
-              <a:schemeClr val="accent1"/>
-            </a:effectRef>
-            <a:fontRef idx="minor">
-              <a:schemeClr val="lt1"/>
-            </a:fontRef>
-          </p:style>
-          <p:txBody>
-            <a:bodyPr rtlCol="0" anchor="ctr"/>
-            <a:lstStyle/>
-            <a:p>
-              <a:pPr algn="ctr"/>
-              <a:endParaRPr kumimoji="1" lang="ja-JP" altLang="en-US"/>
-            </a:p>
-          </p:txBody>
-        </p:sp>
-        <p:sp>
-          <p:nvSpPr>
-            <p:cNvPr id="42" name="円/楕円 41"/>
-            <p:cNvSpPr/>
-            <p:nvPr/>
-          </p:nvSpPr>
-          <p:spPr>
-            <a:xfrm>
-              <a:off x="4180013" y="4155086"/>
-              <a:ext cx="158967" cy="144016"/>
-            </a:xfrm>
-            <a:prstGeom prst="ellipse">
-              <a:avLst/>
-            </a:prstGeom>
-            <a:solidFill>
-              <a:schemeClr val="bg1"/>
-            </a:solidFill>
-            <a:ln>
-              <a:noFill/>
-            </a:ln>
-          </p:spPr>
-          <p:style>
-            <a:lnRef idx="2">
-              <a:schemeClr val="accent1">
-                <a:shade val="50000"/>
-              </a:schemeClr>
-            </a:lnRef>
-            <a:fillRef idx="1">
-              <a:schemeClr val="accent1"/>
-            </a:fillRef>
-            <a:effectRef idx="0">
-              <a:schemeClr val="accent1"/>
-            </a:effectRef>
-            <a:fontRef idx="minor">
-              <a:schemeClr val="lt1"/>
-            </a:fontRef>
-          </p:style>
-          <p:txBody>
-            <a:bodyPr rtlCol="0" anchor="ctr"/>
-            <a:lstStyle/>
-            <a:p>
-              <a:pPr algn="ctr"/>
-              <a:endParaRPr kumimoji="1" lang="ja-JP" altLang="en-US"/>
-            </a:p>
-          </p:txBody>
-        </p:sp>
-        <p:sp>
-          <p:nvSpPr>
-            <p:cNvPr id="43" name="円/楕円 42"/>
-            <p:cNvSpPr/>
-            <p:nvPr/>
-          </p:nvSpPr>
-          <p:spPr>
-            <a:xfrm flipH="1">
-              <a:off x="4231381" y="4202289"/>
-              <a:ext cx="50465" cy="54315"/>
-            </a:xfrm>
-            <a:prstGeom prst="ellipse">
-              <a:avLst/>
-            </a:prstGeom>
+          </a:ln>
+        </p:spPr>
+        <p:style>
+          <a:lnRef idx="2">
+            <a:schemeClr val="accent1">
+              <a:shade val="50000"/>
+            </a:schemeClr>
+          </a:lnRef>
+          <a:fillRef idx="1">
+            <a:schemeClr val="accent1"/>
+          </a:fillRef>
+          <a:effectRef idx="0">
+            <a:schemeClr val="accent1"/>
+          </a:effectRef>
+          <a:fontRef idx="minor">
+            <a:schemeClr val="lt1"/>
+          </a:fontRef>
+        </p:style>
+        <p:txBody>
+          <a:bodyPr rtlCol="0" anchor="ctr"/>
+          <a:lstStyle/>
+          <a:p>
+            <a:pPr algn="ctr"/>
+            <a:endParaRPr kumimoji="1" lang="ja-JP" altLang="en-US"/>
+          </a:p>
+        </p:txBody>
+      </p:sp>
+      <p:sp>
+        <p:nvSpPr>
+          <p:cNvPr id="40" name="円/楕円 39"/>
+          <p:cNvSpPr/>
+          <p:nvPr/>
+        </p:nvSpPr>
+        <p:spPr>
+          <a:xfrm>
+            <a:off x="2604268" y="3561130"/>
+            <a:ext cx="328085" cy="655629"/>
+          </a:xfrm>
+          <a:prstGeom prst="ellipse">
+            <a:avLst/>
+          </a:prstGeom>
+          <a:solidFill>
+            <a:schemeClr val="bg1"/>
+          </a:solidFill>
+          <a:ln w="6350">
             <a:solidFill>
               <a:schemeClr val="tx1"/>
             </a:solidFill>
-            <a:ln>
-              <a:noFill/>
-            </a:ln>
-          </p:spPr>
-          <p:style>
-            <a:lnRef idx="2">
-              <a:schemeClr val="accent1">
-                <a:shade val="50000"/>
-              </a:schemeClr>
-            </a:lnRef>
-            <a:fillRef idx="1">
-              <a:schemeClr val="accent1"/>
-            </a:fillRef>
-            <a:effectRef idx="0">
-              <a:schemeClr val="accent1"/>
-            </a:effectRef>
-            <a:fontRef idx="minor">
-              <a:schemeClr val="lt1"/>
-            </a:fontRef>
-          </p:style>
-          <p:txBody>
-            <a:bodyPr rtlCol="0" anchor="ctr"/>
-            <a:lstStyle/>
-            <a:p>
-              <a:pPr algn="ctr"/>
-              <a:endParaRPr kumimoji="1" lang="ja-JP" altLang="en-US"/>
-            </a:p>
-          </p:txBody>
-        </p:sp>
-        <p:sp>
-          <p:nvSpPr>
-            <p:cNvPr id="44" name="円/楕円 43"/>
-            <p:cNvSpPr/>
-            <p:nvPr/>
-          </p:nvSpPr>
-          <p:spPr>
-            <a:xfrm flipH="1">
-              <a:off x="3927352" y="4201932"/>
-              <a:ext cx="50465" cy="54315"/>
-            </a:xfrm>
-            <a:prstGeom prst="ellipse">
-              <a:avLst/>
-            </a:prstGeom>
+          </a:ln>
+        </p:spPr>
+        <p:style>
+          <a:lnRef idx="2">
+            <a:schemeClr val="accent1">
+              <a:shade val="50000"/>
+            </a:schemeClr>
+          </a:lnRef>
+          <a:fillRef idx="1">
+            <a:schemeClr val="accent1"/>
+          </a:fillRef>
+          <a:effectRef idx="0">
+            <a:schemeClr val="accent1"/>
+          </a:effectRef>
+          <a:fontRef idx="minor">
+            <a:schemeClr val="lt1"/>
+          </a:fontRef>
+        </p:style>
+        <p:txBody>
+          <a:bodyPr rtlCol="0" anchor="ctr"/>
+          <a:lstStyle/>
+          <a:p>
+            <a:pPr algn="ctr"/>
+            <a:endParaRPr kumimoji="1" lang="ja-JP" altLang="en-US"/>
+          </a:p>
+        </p:txBody>
+      </p:sp>
+      <p:sp>
+        <p:nvSpPr>
+          <p:cNvPr id="41" name="円/楕円 40"/>
+          <p:cNvSpPr/>
+          <p:nvPr/>
+        </p:nvSpPr>
+        <p:spPr>
+          <a:xfrm>
+            <a:off x="2696636" y="3462128"/>
+            <a:ext cx="52225" cy="48565"/>
+          </a:xfrm>
+          <a:prstGeom prst="ellipse">
+            <a:avLst/>
+          </a:prstGeom>
+          <a:solidFill>
+            <a:schemeClr val="bg1"/>
+          </a:solidFill>
+          <a:ln>
+            <a:noFill/>
+          </a:ln>
+        </p:spPr>
+        <p:style>
+          <a:lnRef idx="2">
+            <a:schemeClr val="accent1">
+              <a:shade val="50000"/>
+            </a:schemeClr>
+          </a:lnRef>
+          <a:fillRef idx="1">
+            <a:schemeClr val="accent1"/>
+          </a:fillRef>
+          <a:effectRef idx="0">
+            <a:schemeClr val="accent1"/>
+          </a:effectRef>
+          <a:fontRef idx="minor">
+            <a:schemeClr val="lt1"/>
+          </a:fontRef>
+        </p:style>
+        <p:txBody>
+          <a:bodyPr rtlCol="0" anchor="ctr"/>
+          <a:lstStyle/>
+          <a:p>
+            <a:pPr algn="ctr"/>
+            <a:endParaRPr kumimoji="1" lang="ja-JP" altLang="en-US"/>
+          </a:p>
+        </p:txBody>
+      </p:sp>
+      <p:sp>
+        <p:nvSpPr>
+          <p:cNvPr id="42" name="円/楕円 41"/>
+          <p:cNvSpPr/>
+          <p:nvPr/>
+        </p:nvSpPr>
+        <p:spPr>
+          <a:xfrm>
+            <a:off x="2797896" y="3462128"/>
+            <a:ext cx="52225" cy="48565"/>
+          </a:xfrm>
+          <a:prstGeom prst="ellipse">
+            <a:avLst/>
+          </a:prstGeom>
+          <a:solidFill>
+            <a:schemeClr val="bg1"/>
+          </a:solidFill>
+          <a:ln>
+            <a:noFill/>
+          </a:ln>
+        </p:spPr>
+        <p:style>
+          <a:lnRef idx="2">
+            <a:schemeClr val="accent1">
+              <a:shade val="50000"/>
+            </a:schemeClr>
+          </a:lnRef>
+          <a:fillRef idx="1">
+            <a:schemeClr val="accent1"/>
+          </a:fillRef>
+          <a:effectRef idx="0">
+            <a:schemeClr val="accent1"/>
+          </a:effectRef>
+          <a:fontRef idx="minor">
+            <a:schemeClr val="lt1"/>
+          </a:fontRef>
+        </p:style>
+        <p:txBody>
+          <a:bodyPr rtlCol="0" anchor="ctr"/>
+          <a:lstStyle/>
+          <a:p>
+            <a:pPr algn="ctr"/>
+            <a:endParaRPr kumimoji="1" lang="ja-JP" altLang="en-US"/>
+          </a:p>
+        </p:txBody>
+      </p:sp>
+      <p:sp>
+        <p:nvSpPr>
+          <p:cNvPr id="43" name="円/楕円 42"/>
+          <p:cNvSpPr/>
+          <p:nvPr/>
+        </p:nvSpPr>
+        <p:spPr>
+          <a:xfrm flipH="1">
+            <a:off x="2814772" y="3478045"/>
+            <a:ext cx="16579" cy="18316"/>
+          </a:xfrm>
+          <a:prstGeom prst="ellipse">
+            <a:avLst/>
+          </a:prstGeom>
+          <a:solidFill>
+            <a:schemeClr val="tx1"/>
+          </a:solidFill>
+          <a:ln>
+            <a:noFill/>
+          </a:ln>
+        </p:spPr>
+        <p:style>
+          <a:lnRef idx="2">
+            <a:schemeClr val="accent1">
+              <a:shade val="50000"/>
+            </a:schemeClr>
+          </a:lnRef>
+          <a:fillRef idx="1">
+            <a:schemeClr val="accent1"/>
+          </a:fillRef>
+          <a:effectRef idx="0">
+            <a:schemeClr val="accent1"/>
+          </a:effectRef>
+          <a:fontRef idx="minor">
+            <a:schemeClr val="lt1"/>
+          </a:fontRef>
+        </p:style>
+        <p:txBody>
+          <a:bodyPr rtlCol="0" anchor="ctr"/>
+          <a:lstStyle/>
+          <a:p>
+            <a:pPr algn="ctr"/>
+            <a:endParaRPr kumimoji="1" lang="ja-JP" altLang="en-US"/>
+          </a:p>
+        </p:txBody>
+      </p:sp>
+      <p:sp>
+        <p:nvSpPr>
+          <p:cNvPr id="44" name="円/楕円 43"/>
+          <p:cNvSpPr/>
+          <p:nvPr/>
+        </p:nvSpPr>
+        <p:spPr>
+          <a:xfrm flipH="1">
+            <a:off x="2714891" y="3477925"/>
+            <a:ext cx="16579" cy="18316"/>
+          </a:xfrm>
+          <a:prstGeom prst="ellipse">
+            <a:avLst/>
+          </a:prstGeom>
+          <a:solidFill>
+            <a:schemeClr val="tx1"/>
+          </a:solidFill>
+          <a:ln>
+            <a:noFill/>
+          </a:ln>
+        </p:spPr>
+        <p:style>
+          <a:lnRef idx="2">
+            <a:schemeClr val="accent1">
+              <a:shade val="50000"/>
+            </a:schemeClr>
+          </a:lnRef>
+          <a:fillRef idx="1">
+            <a:schemeClr val="accent1"/>
+          </a:fillRef>
+          <a:effectRef idx="0">
+            <a:schemeClr val="accent1"/>
+          </a:effectRef>
+          <a:fontRef idx="minor">
+            <a:schemeClr val="lt1"/>
+          </a:fontRef>
+        </p:style>
+        <p:txBody>
+          <a:bodyPr rtlCol="0" anchor="ctr"/>
+          <a:lstStyle/>
+          <a:p>
+            <a:pPr algn="ctr"/>
+            <a:endParaRPr kumimoji="1" lang="ja-JP" altLang="en-US"/>
+          </a:p>
+        </p:txBody>
+      </p:sp>
+      <p:sp>
+        <p:nvSpPr>
+          <p:cNvPr id="45" name="五角形 44"/>
+          <p:cNvSpPr/>
+          <p:nvPr/>
+        </p:nvSpPr>
+        <p:spPr>
+          <a:xfrm rot="12488843">
+            <a:off x="2624427" y="4171069"/>
+            <a:ext cx="130562" cy="72848"/>
+          </a:xfrm>
+          <a:prstGeom prst="pentagon">
+            <a:avLst/>
+          </a:prstGeom>
+          <a:solidFill>
+            <a:srgbClr val="FFCC99"/>
+          </a:solidFill>
+          <a:ln w="3175">
             <a:solidFill>
               <a:schemeClr val="tx1"/>
             </a:solidFill>
-            <a:ln>
-              <a:noFill/>
-            </a:ln>
-          </p:spPr>
-          <p:style>
-            <a:lnRef idx="2">
-              <a:schemeClr val="accent1">
-                <a:shade val="50000"/>
-              </a:schemeClr>
-            </a:lnRef>
-            <a:fillRef idx="1">
-              <a:schemeClr val="accent1"/>
-            </a:fillRef>
-            <a:effectRef idx="0">
-              <a:schemeClr val="accent1"/>
-            </a:effectRef>
-            <a:fontRef idx="minor">
-              <a:schemeClr val="lt1"/>
-            </a:fontRef>
-          </p:style>
-          <p:txBody>
-            <a:bodyPr rtlCol="0" anchor="ctr"/>
-            <a:lstStyle/>
-            <a:p>
-              <a:pPr algn="ctr"/>
-              <a:endParaRPr kumimoji="1" lang="ja-JP" altLang="en-US"/>
-            </a:p>
-          </p:txBody>
-        </p:sp>
-        <p:sp>
-          <p:nvSpPr>
-            <p:cNvPr id="45" name="五角形 44"/>
-            <p:cNvSpPr/>
-            <p:nvPr/>
-          </p:nvSpPr>
-          <p:spPr>
-            <a:xfrm rot="12488843">
-              <a:off x="3651989" y="6257395"/>
-              <a:ext cx="397418" cy="216024"/>
-            </a:xfrm>
-            <a:prstGeom prst="pentagon">
-              <a:avLst/>
-            </a:prstGeom>
+          </a:ln>
+        </p:spPr>
+        <p:style>
+          <a:lnRef idx="2">
+            <a:schemeClr val="accent1">
+              <a:shade val="50000"/>
+            </a:schemeClr>
+          </a:lnRef>
+          <a:fillRef idx="1">
+            <a:schemeClr val="accent1"/>
+          </a:fillRef>
+          <a:effectRef idx="0">
+            <a:schemeClr val="accent1"/>
+          </a:effectRef>
+          <a:fontRef idx="minor">
+            <a:schemeClr val="lt1"/>
+          </a:fontRef>
+        </p:style>
+        <p:txBody>
+          <a:bodyPr rtlCol="0" anchor="ctr"/>
+          <a:lstStyle/>
+          <a:p>
+            <a:pPr algn="ctr"/>
+            <a:endParaRPr kumimoji="1" lang="ja-JP" altLang="en-US"/>
+          </a:p>
+        </p:txBody>
+      </p:sp>
+      <p:sp>
+        <p:nvSpPr>
+          <p:cNvPr id="46" name="五角形 45"/>
+          <p:cNvSpPr/>
+          <p:nvPr/>
+        </p:nvSpPr>
+        <p:spPr>
+          <a:xfrm rot="8965674">
+            <a:off x="2781191" y="4172552"/>
+            <a:ext cx="130562" cy="72848"/>
+          </a:xfrm>
+          <a:prstGeom prst="pentagon">
+            <a:avLst/>
+          </a:prstGeom>
+          <a:solidFill>
+            <a:srgbClr val="FFCC99"/>
+          </a:solidFill>
+          <a:ln w="3175">
             <a:solidFill>
-              <a:srgbClr val="FFCC99"/>
+              <a:schemeClr val="tx1"/>
             </a:solidFill>
-            <a:ln w="3175">
-              <a:solidFill>
-                <a:schemeClr val="tx1"/>
-              </a:solidFill>
-            </a:ln>
-          </p:spPr>
-          <p:style>
-            <a:lnRef idx="2">
-              <a:schemeClr val="accent1">
-                <a:shade val="50000"/>
-              </a:schemeClr>
-            </a:lnRef>
-            <a:fillRef idx="1">
-              <a:schemeClr val="accent1"/>
-            </a:fillRef>
-            <a:effectRef idx="0">
-              <a:schemeClr val="accent1"/>
-            </a:effectRef>
-            <a:fontRef idx="minor">
-              <a:schemeClr val="lt1"/>
-            </a:fontRef>
-          </p:style>
-          <p:txBody>
-            <a:bodyPr rtlCol="0" anchor="ctr"/>
-            <a:lstStyle/>
-            <a:p>
-              <a:pPr algn="ctr"/>
-              <a:endParaRPr kumimoji="1" lang="ja-JP" altLang="en-US"/>
-            </a:p>
-          </p:txBody>
-        </p:sp>
-        <p:sp>
-          <p:nvSpPr>
-            <p:cNvPr id="46" name="五角形 45"/>
-            <p:cNvSpPr/>
-            <p:nvPr/>
-          </p:nvSpPr>
-          <p:spPr>
-            <a:xfrm rot="8965674">
-              <a:off x="4129164" y="6261794"/>
-              <a:ext cx="397418" cy="216024"/>
-            </a:xfrm>
-            <a:prstGeom prst="pentagon">
-              <a:avLst/>
-            </a:prstGeom>
-            <a:solidFill>
-              <a:srgbClr val="FFCC99"/>
-            </a:solidFill>
-            <a:ln w="3175">
-              <a:solidFill>
-                <a:schemeClr val="tx1"/>
-              </a:solidFill>
-            </a:ln>
-          </p:spPr>
-          <p:style>
-            <a:lnRef idx="2">
-              <a:schemeClr val="accent1">
-                <a:shade val="50000"/>
-              </a:schemeClr>
-            </a:lnRef>
-            <a:fillRef idx="1">
-              <a:schemeClr val="accent1"/>
-            </a:fillRef>
-            <a:effectRef idx="0">
-              <a:schemeClr val="accent1"/>
-            </a:effectRef>
-            <a:fontRef idx="minor">
-              <a:schemeClr val="lt1"/>
-            </a:fontRef>
-          </p:style>
-          <p:txBody>
-            <a:bodyPr rtlCol="0" anchor="ctr"/>
-            <a:lstStyle/>
-            <a:p>
-              <a:pPr algn="ctr"/>
-              <a:endParaRPr kumimoji="1" lang="ja-JP" altLang="en-US"/>
-            </a:p>
-          </p:txBody>
-        </p:sp>
-        <p:sp>
-          <p:nvSpPr>
-            <p:cNvPr id="47" name="ひし形 46"/>
-            <p:cNvSpPr/>
-            <p:nvPr/>
-          </p:nvSpPr>
-          <p:spPr>
-            <a:xfrm>
-              <a:off x="3989372" y="4298181"/>
-              <a:ext cx="238451" cy="144016"/>
-            </a:xfrm>
-            <a:prstGeom prst="diamond">
-              <a:avLst/>
-            </a:prstGeom>
-            <a:solidFill>
-              <a:srgbClr val="FFCC99"/>
-            </a:solidFill>
-            <a:ln>
-              <a:noFill/>
-            </a:ln>
-          </p:spPr>
-          <p:style>
-            <a:lnRef idx="2">
-              <a:schemeClr val="accent1">
-                <a:shade val="50000"/>
-              </a:schemeClr>
-            </a:lnRef>
-            <a:fillRef idx="1">
-              <a:schemeClr val="accent1"/>
-            </a:fillRef>
-            <a:effectRef idx="0">
-              <a:schemeClr val="accent1"/>
-            </a:effectRef>
-            <a:fontRef idx="minor">
-              <a:schemeClr val="lt1"/>
-            </a:fontRef>
-          </p:style>
-          <p:txBody>
-            <a:bodyPr rtlCol="0" anchor="ctr"/>
-            <a:lstStyle/>
-            <a:p>
-              <a:pPr algn="ctr"/>
-              <a:endParaRPr kumimoji="1" lang="ja-JP" altLang="en-US"/>
-            </a:p>
-          </p:txBody>
-        </p:sp>
-      </p:grpSp>
+          </a:ln>
+        </p:spPr>
+        <p:style>
+          <a:lnRef idx="2">
+            <a:schemeClr val="accent1">
+              <a:shade val="50000"/>
+            </a:schemeClr>
+          </a:lnRef>
+          <a:fillRef idx="1">
+            <a:schemeClr val="accent1"/>
+          </a:fillRef>
+          <a:effectRef idx="0">
+            <a:schemeClr val="accent1"/>
+          </a:effectRef>
+          <a:fontRef idx="minor">
+            <a:schemeClr val="lt1"/>
+          </a:fontRef>
+        </p:style>
+        <p:txBody>
+          <a:bodyPr rtlCol="0" anchor="ctr"/>
+          <a:lstStyle/>
+          <a:p>
+            <a:pPr algn="ctr"/>
+            <a:endParaRPr kumimoji="1" lang="ja-JP" altLang="en-US"/>
+          </a:p>
+        </p:txBody>
+      </p:sp>
+      <p:sp>
+        <p:nvSpPr>
+          <p:cNvPr id="47" name="ひし形 46"/>
+          <p:cNvSpPr/>
+          <p:nvPr/>
+        </p:nvSpPr>
+        <p:spPr>
+          <a:xfrm>
+            <a:off x="2735266" y="3510382"/>
+            <a:ext cx="78337" cy="48565"/>
+          </a:xfrm>
+          <a:prstGeom prst="diamond">
+            <a:avLst/>
+          </a:prstGeom>
+          <a:solidFill>
+            <a:srgbClr val="FFCC99"/>
+          </a:solidFill>
+          <a:ln>
+            <a:noFill/>
+          </a:ln>
+        </p:spPr>
+        <p:style>
+          <a:lnRef idx="2">
+            <a:schemeClr val="accent1">
+              <a:shade val="50000"/>
+            </a:schemeClr>
+          </a:lnRef>
+          <a:fillRef idx="1">
+            <a:schemeClr val="accent1"/>
+          </a:fillRef>
+          <a:effectRef idx="0">
+            <a:schemeClr val="accent1"/>
+          </a:effectRef>
+          <a:fontRef idx="minor">
+            <a:schemeClr val="lt1"/>
+          </a:fontRef>
+        </p:style>
+        <p:txBody>
+          <a:bodyPr rtlCol="0" anchor="ctr"/>
+          <a:lstStyle/>
+          <a:p>
+            <a:pPr algn="ctr"/>
+            <a:endParaRPr kumimoji="1" lang="ja-JP" altLang="en-US"/>
+          </a:p>
+        </p:txBody>
+      </p:sp>
     </p:spTree>
   </p:cSld>
   <p:clrMapOvr>
